--- a/06_webScrapping/beautifulSoup.pptx
+++ b/06_webScrapping/beautifulSoup.pptx
@@ -5,7 +5,7 @@
     <p:sldMasterId id="2147483648" r:id="rId1"/>
   </p:sldMasterIdLst>
   <p:notesMasterIdLst>
-    <p:notesMasterId r:id="rId12"/>
+    <p:notesMasterId r:id="rId18"/>
   </p:notesMasterIdLst>
   <p:sldIdLst>
     <p:sldId id="256" r:id="rId2"/>
@@ -15,9 +15,15 @@
     <p:sldId id="262" r:id="rId6"/>
     <p:sldId id="261" r:id="rId7"/>
     <p:sldId id="263" r:id="rId8"/>
-    <p:sldId id="264" r:id="rId9"/>
-    <p:sldId id="266" r:id="rId10"/>
-    <p:sldId id="258" r:id="rId11"/>
+    <p:sldId id="272" r:id="rId9"/>
+    <p:sldId id="264" r:id="rId10"/>
+    <p:sldId id="267" r:id="rId11"/>
+    <p:sldId id="268" r:id="rId12"/>
+    <p:sldId id="269" r:id="rId13"/>
+    <p:sldId id="270" r:id="rId14"/>
+    <p:sldId id="271" r:id="rId15"/>
+    <p:sldId id="266" r:id="rId16"/>
+    <p:sldId id="258" r:id="rId17"/>
   </p:sldIdLst>
   <p:sldSz cx="12192000" cy="6858000"/>
   <p:notesSz cx="6858000" cy="9144000"/>
@@ -534,6 +540,90 @@
           <a:p>
             <a:fld id="{2F018A0B-0989-8049-9844-458EDF33919D}" type="slidenum">
               <a:rPr lang="en-NO" smtClean="0"/>
+              <a:t>1</a:t>
+            </a:fld>
+            <a:endParaRPr lang="en-NO"/>
+          </a:p>
+        </p:txBody>
+      </p:sp>
+    </p:spTree>
+    <p:extLst>
+      <p:ext uri="{BB962C8B-B14F-4D97-AF65-F5344CB8AC3E}">
+        <p14:creationId xmlns:p14="http://schemas.microsoft.com/office/powerpoint/2010/main" val="3089962110"/>
+      </p:ext>
+    </p:extLst>
+  </p:cSld>
+  <p:clrMapOvr>
+    <a:masterClrMapping/>
+  </p:clrMapOvr>
+</p:notes>
+</file>
+
+<file path=ppt/notesSlides/notesSlide2.xml><?xml version="1.0" encoding="utf-8"?>
+<p:notes xmlns:a="http://schemas.openxmlformats.org/drawingml/2006/main" xmlns:r="http://schemas.openxmlformats.org/officeDocument/2006/relationships" xmlns:p="http://schemas.openxmlformats.org/presentationml/2006/main">
+  <p:cSld>
+    <p:spTree>
+      <p:nvGrpSpPr>
+        <p:cNvPr id="1" name=""/>
+        <p:cNvGrpSpPr/>
+        <p:nvPr/>
+      </p:nvGrpSpPr>
+      <p:grpSpPr>
+        <a:xfrm>
+          <a:off x="0" y="0"/>
+          <a:ext cx="0" cy="0"/>
+          <a:chOff x="0" y="0"/>
+          <a:chExt cx="0" cy="0"/>
+        </a:xfrm>
+      </p:grpSpPr>
+      <p:sp>
+        <p:nvSpPr>
+          <p:cNvPr id="2" name="Slide Image Placeholder 1"/>
+          <p:cNvSpPr>
+            <a:spLocks noGrp="1" noRot="1" noChangeAspect="1"/>
+          </p:cNvSpPr>
+          <p:nvPr>
+            <p:ph type="sldImg"/>
+          </p:nvPr>
+        </p:nvSpPr>
+        <p:spPr/>
+      </p:sp>
+      <p:sp>
+        <p:nvSpPr>
+          <p:cNvPr id="3" name="Notes Placeholder 2"/>
+          <p:cNvSpPr>
+            <a:spLocks noGrp="1"/>
+          </p:cNvSpPr>
+          <p:nvPr>
+            <p:ph type="body" idx="1"/>
+          </p:nvPr>
+        </p:nvSpPr>
+        <p:spPr/>
+        <p:txBody>
+          <a:bodyPr/>
+          <a:lstStyle/>
+          <a:p>
+            <a:endParaRPr lang="en-NO" dirty="0"/>
+          </a:p>
+        </p:txBody>
+      </p:sp>
+      <p:sp>
+        <p:nvSpPr>
+          <p:cNvPr id="4" name="Slide Number Placeholder 3"/>
+          <p:cNvSpPr>
+            <a:spLocks noGrp="1"/>
+          </p:cNvSpPr>
+          <p:nvPr>
+            <p:ph type="sldNum" sz="quarter" idx="5"/>
+          </p:nvPr>
+        </p:nvSpPr>
+        <p:spPr/>
+        <p:txBody>
+          <a:bodyPr/>
+          <a:lstStyle/>
+          <a:p>
+            <a:fld id="{2F018A0B-0989-8049-9844-458EDF33919D}" type="slidenum">
+              <a:rPr lang="en-NO" smtClean="0"/>
               <a:t>7</a:t>
             </a:fld>
             <a:endParaRPr lang="en-NO"/>
@@ -544,6 +634,90 @@
     <p:extLst>
       <p:ext uri="{BB962C8B-B14F-4D97-AF65-F5344CB8AC3E}">
         <p14:creationId xmlns:p14="http://schemas.microsoft.com/office/powerpoint/2010/main" val="2918630350"/>
+      </p:ext>
+    </p:extLst>
+  </p:cSld>
+  <p:clrMapOvr>
+    <a:masterClrMapping/>
+  </p:clrMapOvr>
+</p:notes>
+</file>
+
+<file path=ppt/notesSlides/notesSlide3.xml><?xml version="1.0" encoding="utf-8"?>
+<p:notes xmlns:a="http://schemas.openxmlformats.org/drawingml/2006/main" xmlns:r="http://schemas.openxmlformats.org/officeDocument/2006/relationships" xmlns:p="http://schemas.openxmlformats.org/presentationml/2006/main">
+  <p:cSld>
+    <p:spTree>
+      <p:nvGrpSpPr>
+        <p:cNvPr id="1" name=""/>
+        <p:cNvGrpSpPr/>
+        <p:nvPr/>
+      </p:nvGrpSpPr>
+      <p:grpSpPr>
+        <a:xfrm>
+          <a:off x="0" y="0"/>
+          <a:ext cx="0" cy="0"/>
+          <a:chOff x="0" y="0"/>
+          <a:chExt cx="0" cy="0"/>
+        </a:xfrm>
+      </p:grpSpPr>
+      <p:sp>
+        <p:nvSpPr>
+          <p:cNvPr id="2" name="Slide Image Placeholder 1"/>
+          <p:cNvSpPr>
+            <a:spLocks noGrp="1" noRot="1" noChangeAspect="1"/>
+          </p:cNvSpPr>
+          <p:nvPr>
+            <p:ph type="sldImg"/>
+          </p:nvPr>
+        </p:nvSpPr>
+        <p:spPr/>
+      </p:sp>
+      <p:sp>
+        <p:nvSpPr>
+          <p:cNvPr id="3" name="Notes Placeholder 2"/>
+          <p:cNvSpPr>
+            <a:spLocks noGrp="1"/>
+          </p:cNvSpPr>
+          <p:nvPr>
+            <p:ph type="body" idx="1"/>
+          </p:nvPr>
+        </p:nvSpPr>
+        <p:spPr/>
+        <p:txBody>
+          <a:bodyPr/>
+          <a:lstStyle/>
+          <a:p>
+            <a:endParaRPr lang="en-NO" dirty="0"/>
+          </a:p>
+        </p:txBody>
+      </p:sp>
+      <p:sp>
+        <p:nvSpPr>
+          <p:cNvPr id="4" name="Slide Number Placeholder 3"/>
+          <p:cNvSpPr>
+            <a:spLocks noGrp="1"/>
+          </p:cNvSpPr>
+          <p:nvPr>
+            <p:ph type="sldNum" sz="quarter" idx="5"/>
+          </p:nvPr>
+        </p:nvSpPr>
+        <p:spPr/>
+        <p:txBody>
+          <a:bodyPr/>
+          <a:lstStyle/>
+          <a:p>
+            <a:fld id="{2F018A0B-0989-8049-9844-458EDF33919D}" type="slidenum">
+              <a:rPr lang="en-NO" smtClean="0"/>
+              <a:t>16</a:t>
+            </a:fld>
+            <a:endParaRPr lang="en-NO"/>
+          </a:p>
+        </p:txBody>
+      </p:sp>
+    </p:spTree>
+    <p:extLst>
+      <p:ext uri="{BB962C8B-B14F-4D97-AF65-F5344CB8AC3E}">
+        <p14:creationId xmlns:p14="http://schemas.microsoft.com/office/powerpoint/2010/main" val="3739272848"/>
       </p:ext>
     </p:extLst>
   </p:cSld>
@@ -3788,6 +3962,38 @@
           <a:chExt cx="0" cy="0"/>
         </a:xfrm>
       </p:grpSpPr>
+      <p:pic>
+        <p:nvPicPr>
+          <p:cNvPr id="7" name="Picture 6" descr="A bowl of soup with a face drawn on it&#10;&#10;Description automatically generated with low confidence">
+            <a:extLst>
+              <a:ext uri="{FF2B5EF4-FFF2-40B4-BE49-F238E27FC236}">
+                <a16:creationId xmlns:a16="http://schemas.microsoft.com/office/drawing/2014/main" id="{4D68FB7F-8268-6C8A-DA23-71385236FB16}"/>
+              </a:ext>
+            </a:extLst>
+          </p:cNvPr>
+          <p:cNvPicPr>
+            <a:picLocks noChangeAspect="1"/>
+          </p:cNvPicPr>
+          <p:nvPr/>
+        </p:nvPicPr>
+        <p:blipFill>
+          <a:blip r:embed="rId3">
+            <a:alphaModFix amt="85000"/>
+          </a:blip>
+          <a:stretch>
+            <a:fillRect/>
+          </a:stretch>
+        </p:blipFill>
+        <p:spPr>
+          <a:xfrm>
+            <a:off x="-1" y="0"/>
+            <a:ext cx="12294973" cy="6915922"/>
+          </a:xfrm>
+          <a:prstGeom prst="rect">
+            <a:avLst/>
+          </a:prstGeom>
+        </p:spPr>
+      </p:pic>
       <p:sp>
         <p:nvSpPr>
           <p:cNvPr id="2" name="Title 1">
@@ -3804,7 +4010,12 @@
             <p:ph type="ctrTitle"/>
           </p:nvPr>
         </p:nvSpPr>
-        <p:spPr/>
+        <p:spPr>
+          <a:xfrm>
+            <a:off x="1575485" y="214457"/>
+            <a:ext cx="9144000" cy="2387600"/>
+          </a:xfrm>
+        </p:spPr>
         <p:txBody>
           <a:bodyPr/>
           <a:lstStyle/>
@@ -3832,7 +4043,12 @@
             <p:ph type="subTitle" idx="1"/>
           </p:nvPr>
         </p:nvSpPr>
-        <p:spPr/>
+        <p:spPr>
+          <a:xfrm>
+            <a:off x="3402227" y="4763573"/>
+            <a:ext cx="5387546" cy="1655762"/>
+          </a:xfrm>
+        </p:spPr>
         <p:txBody>
           <a:bodyPr/>
           <a:lstStyle/>
@@ -3866,7 +4082,7 @@
         </p:nvSpPr>
         <p:spPr>
           <a:xfrm>
-            <a:off x="9207504" y="6594544"/>
+            <a:off x="63504" y="6611779"/>
             <a:ext cx="2920992" cy="246221"/>
           </a:xfrm>
           <a:prstGeom prst="rect">
@@ -3962,6 +4178,14 @@
 <file path=ppt/slides/slide10.xml><?xml version="1.0" encoding="utf-8"?>
 <p:sld xmlns:a="http://schemas.openxmlformats.org/drawingml/2006/main" xmlns:r="http://schemas.openxmlformats.org/officeDocument/2006/relationships" xmlns:p="http://schemas.openxmlformats.org/presentationml/2006/main">
   <p:cSld>
+    <p:bg>
+      <p:bgPr>
+        <a:solidFill>
+          <a:srgbClr val="282C33"/>
+        </a:solidFill>
+        <a:effectLst/>
+      </p:bgPr>
+    </p:bg>
     <p:spTree>
       <p:nvGrpSpPr>
         <p:cNvPr id="1" name=""/>
@@ -3981,7 +4205,7 @@
           <p:cNvPr id="2" name="Title 1">
             <a:extLst>
               <a:ext uri="{FF2B5EF4-FFF2-40B4-BE49-F238E27FC236}">
-                <a16:creationId xmlns:a16="http://schemas.microsoft.com/office/drawing/2014/main" id="{9D0535FB-F44E-D4CE-59F6-264B43B782F0}"/>
+                <a16:creationId xmlns:a16="http://schemas.microsoft.com/office/drawing/2014/main" id="{859BCCF3-FF25-C8D8-704F-070A393ECDB1}"/>
               </a:ext>
             </a:extLst>
           </p:cNvPr>
@@ -3998,8 +4222,923 @@
           <a:lstStyle/>
           <a:p>
             <a:r>
-              <a:rPr lang="en-NO" dirty="0"/>
-              <a:t>Remember!</a:t>
+              <a:rPr lang="nb-NO" dirty="0" err="1">
+                <a:solidFill>
+                  <a:schemeClr val="bg1"/>
+                </a:solidFill>
+              </a:rPr>
+              <a:t>Request</a:t>
+            </a:r>
+            <a:endParaRPr lang="en-NO" dirty="0">
+              <a:solidFill>
+                <a:schemeClr val="bg1"/>
+              </a:solidFill>
+            </a:endParaRPr>
+          </a:p>
+        </p:txBody>
+      </p:sp>
+      <p:sp>
+        <p:nvSpPr>
+          <p:cNvPr id="5" name="Content Placeholder 4">
+            <a:extLst>
+              <a:ext uri="{FF2B5EF4-FFF2-40B4-BE49-F238E27FC236}">
+                <a16:creationId xmlns:a16="http://schemas.microsoft.com/office/drawing/2014/main" id="{6B2BEB3F-719E-4052-38EF-629F637BE61F}"/>
+              </a:ext>
+            </a:extLst>
+          </p:cNvPr>
+          <p:cNvSpPr>
+            <a:spLocks noGrp="1"/>
+          </p:cNvSpPr>
+          <p:nvPr>
+            <p:ph idx="1"/>
+          </p:nvPr>
+        </p:nvSpPr>
+        <p:spPr/>
+        <p:txBody>
+          <a:bodyPr/>
+          <a:lstStyle/>
+          <a:p>
+            <a:r>
+              <a:rPr lang="en-NO" dirty="0">
+                <a:solidFill>
+                  <a:schemeClr val="bg1"/>
+                </a:solidFill>
+              </a:rPr>
+              <a:t>First, we must make a request, which will </a:t>
+            </a:r>
+            <a:r>
+              <a:rPr lang="en-GB" dirty="0">
+                <a:solidFill>
+                  <a:schemeClr val="bg1"/>
+                </a:solidFill>
+              </a:rPr>
+              <a:t>download the HTML contents of a given web page for us.</a:t>
+            </a:r>
+          </a:p>
+          <a:p>
+            <a:r>
+              <a:rPr lang="en-GB" dirty="0">
+                <a:solidFill>
+                  <a:schemeClr val="bg1"/>
+                </a:solidFill>
+              </a:rPr>
+              <a:t>This will return a </a:t>
+            </a:r>
+            <a:r>
+              <a:rPr lang="en-GB" dirty="0">
+                <a:solidFill>
+                  <a:schemeClr val="bg1"/>
+                </a:solidFill>
+                <a:latin typeface="Miriam Fixed" panose="020B0509050101010101" pitchFamily="49" charset="-79"/>
+                <a:cs typeface="Miriam Fixed" panose="020B0509050101010101" pitchFamily="49" charset="-79"/>
+              </a:rPr>
+              <a:t>Response object </a:t>
+            </a:r>
+            <a:endParaRPr lang="en-GB" dirty="0">
+              <a:solidFill>
+                <a:schemeClr val="bg1"/>
+              </a:solidFill>
+              <a:cs typeface="Miriam Fixed" panose="020B0509050101010101" pitchFamily="49" charset="-79"/>
+            </a:endParaRPr>
+          </a:p>
+          <a:p>
+            <a:r>
+              <a:rPr lang="en-GB" b="0" i="0" u="none" strike="noStrike" dirty="0">
+                <a:solidFill>
+                  <a:schemeClr val="bg1"/>
+                </a:solidFill>
+                <a:effectLst/>
+                <a:latin typeface="SSP Local"/>
+              </a:rPr>
+              <a:t>This object has a </a:t>
+            </a:r>
+            <a:r>
+              <a:rPr lang="en-GB" dirty="0" err="1">
+                <a:solidFill>
+                  <a:schemeClr val="bg1"/>
+                </a:solidFill>
+                <a:latin typeface="Miriam Fixed" panose="020B0509050101010101" pitchFamily="49" charset="-79"/>
+                <a:cs typeface="Miriam Fixed" panose="020B0509050101010101" pitchFamily="49" charset="-79"/>
+              </a:rPr>
+              <a:t>status_code</a:t>
+            </a:r>
+            <a:r>
+              <a:rPr lang="en-GB" b="0" i="0" u="none" strike="noStrike" dirty="0">
+                <a:solidFill>
+                  <a:schemeClr val="bg1"/>
+                </a:solidFill>
+                <a:effectLst/>
+                <a:latin typeface="SSP Local"/>
+              </a:rPr>
+              <a:t> property, which indicates if the page was downloaded successfully:</a:t>
+            </a:r>
+            <a:endParaRPr lang="en-GB" b="0" i="0" u="none" strike="noStrike" dirty="0">
+              <a:solidFill>
+                <a:schemeClr val="bg1"/>
+              </a:solidFill>
+              <a:effectLst/>
+              <a:latin typeface="SSP Local"/>
+              <a:cs typeface="Miriam Fixed" panose="020B0509050101010101" pitchFamily="49" charset="-79"/>
+            </a:endParaRPr>
+          </a:p>
+          <a:p>
+            <a:pPr lvl="1"/>
+            <a:r>
+              <a:rPr lang="en-GB" b="0" i="0" u="none" strike="noStrike" dirty="0">
+                <a:solidFill>
+                  <a:schemeClr val="bg1"/>
+                </a:solidFill>
+                <a:effectLst/>
+                <a:latin typeface="SSP Local"/>
+              </a:rPr>
+              <a:t>A </a:t>
+            </a:r>
+            <a:r>
+              <a:rPr lang="en-GB" dirty="0" err="1">
+                <a:solidFill>
+                  <a:schemeClr val="bg1"/>
+                </a:solidFill>
+                <a:latin typeface="Miriam Fixed" panose="020B0509050101010101" pitchFamily="49" charset="-79"/>
+                <a:cs typeface="Miriam Fixed" panose="020B0509050101010101" pitchFamily="49" charset="-79"/>
+              </a:rPr>
+              <a:t>status_code</a:t>
+            </a:r>
+            <a:r>
+              <a:rPr lang="en-GB" b="0" i="0" u="none" strike="noStrike" dirty="0">
+                <a:solidFill>
+                  <a:schemeClr val="bg1"/>
+                </a:solidFill>
+                <a:effectLst/>
+                <a:latin typeface="SSP Local"/>
+              </a:rPr>
+              <a:t> of </a:t>
+            </a:r>
+            <a:r>
+              <a:rPr lang="en-GB" dirty="0">
+                <a:solidFill>
+                  <a:schemeClr val="bg1"/>
+                </a:solidFill>
+              </a:rPr>
+              <a:t>200</a:t>
+            </a:r>
+            <a:r>
+              <a:rPr lang="en-GB" b="0" i="0" u="none" strike="noStrike" dirty="0">
+                <a:solidFill>
+                  <a:schemeClr val="bg1"/>
+                </a:solidFill>
+                <a:effectLst/>
+                <a:latin typeface="SSP Local"/>
+              </a:rPr>
+              <a:t> means that the page downloaded successfully. </a:t>
+            </a:r>
+          </a:p>
+          <a:p>
+            <a:pPr lvl="1"/>
+            <a:r>
+              <a:rPr lang="en-GB" dirty="0">
+                <a:solidFill>
+                  <a:schemeClr val="bg1"/>
+                </a:solidFill>
+                <a:latin typeface="SSP Local"/>
+              </a:rPr>
+              <a:t>A</a:t>
+            </a:r>
+            <a:r>
+              <a:rPr lang="en-GB" b="0" i="0" u="none" strike="noStrike" dirty="0">
+                <a:solidFill>
+                  <a:schemeClr val="bg1"/>
+                </a:solidFill>
+                <a:effectLst/>
+                <a:latin typeface="SSP Local"/>
+              </a:rPr>
+              <a:t> status code starting with a </a:t>
+            </a:r>
+            <a:r>
+              <a:rPr lang="en-GB" dirty="0">
+                <a:solidFill>
+                  <a:schemeClr val="bg1"/>
+                </a:solidFill>
+              </a:rPr>
+              <a:t>2</a:t>
+            </a:r>
+            <a:r>
+              <a:rPr lang="en-GB" b="0" i="0" u="none" strike="noStrike" dirty="0">
+                <a:solidFill>
+                  <a:schemeClr val="bg1"/>
+                </a:solidFill>
+                <a:effectLst/>
+                <a:latin typeface="SSP Local"/>
+              </a:rPr>
+              <a:t> generally indicates success, and a code starting with a </a:t>
+            </a:r>
+            <a:r>
+              <a:rPr lang="en-GB" dirty="0">
+                <a:solidFill>
+                  <a:schemeClr val="bg1"/>
+                </a:solidFill>
+              </a:rPr>
+              <a:t>4</a:t>
+            </a:r>
+            <a:r>
+              <a:rPr lang="en-GB" b="0" i="0" u="none" strike="noStrike" dirty="0">
+                <a:solidFill>
+                  <a:schemeClr val="bg1"/>
+                </a:solidFill>
+                <a:effectLst/>
+                <a:latin typeface="SSP Local"/>
+              </a:rPr>
+              <a:t> or a </a:t>
+            </a:r>
+            <a:r>
+              <a:rPr lang="en-GB" dirty="0">
+                <a:solidFill>
+                  <a:schemeClr val="bg1"/>
+                </a:solidFill>
+              </a:rPr>
+              <a:t>5</a:t>
+            </a:r>
+            <a:r>
+              <a:rPr lang="en-GB" b="0" i="0" u="none" strike="noStrike" dirty="0">
+                <a:solidFill>
+                  <a:schemeClr val="bg1"/>
+                </a:solidFill>
+                <a:effectLst/>
+                <a:latin typeface="SSP Local"/>
+              </a:rPr>
+              <a:t> indicates an error.</a:t>
+            </a:r>
+            <a:endParaRPr lang="en-GB" dirty="0">
+              <a:solidFill>
+                <a:schemeClr val="bg1"/>
+              </a:solidFill>
+              <a:latin typeface="Miriam Fixed" panose="020B0509050101010101" pitchFamily="49" charset="-79"/>
+              <a:cs typeface="Miriam Fixed" panose="020B0509050101010101" pitchFamily="49" charset="-79"/>
+            </a:endParaRPr>
+          </a:p>
+          <a:p>
+            <a:endParaRPr lang="en-NO" dirty="0">
+              <a:solidFill>
+                <a:schemeClr val="bg1"/>
+              </a:solidFill>
+            </a:endParaRPr>
+          </a:p>
+        </p:txBody>
+      </p:sp>
+      <p:sp>
+        <p:nvSpPr>
+          <p:cNvPr id="6" name="TextBox 5">
+            <a:extLst>
+              <a:ext uri="{FF2B5EF4-FFF2-40B4-BE49-F238E27FC236}">
+                <a16:creationId xmlns:a16="http://schemas.microsoft.com/office/drawing/2014/main" id="{2F85538D-D44F-7FAE-6A74-780EB979573E}"/>
+              </a:ext>
+            </a:extLst>
+          </p:cNvPr>
+          <p:cNvSpPr txBox="1"/>
+          <p:nvPr/>
+        </p:nvSpPr>
+        <p:spPr>
+          <a:xfrm>
+            <a:off x="8059137" y="6611779"/>
+            <a:ext cx="4132863" cy="246221"/>
+          </a:xfrm>
+          <a:prstGeom prst="rect">
+            <a:avLst/>
+          </a:prstGeom>
+          <a:noFill/>
+        </p:spPr>
+        <p:txBody>
+          <a:bodyPr wrap="none" rtlCol="0">
+            <a:spAutoFit/>
+          </a:bodyPr>
+          <a:lstStyle/>
+          <a:p>
+            <a:r>
+              <a:rPr lang="en-GB" sz="1000" dirty="0">
+                <a:solidFill>
+                  <a:schemeClr val="bg1"/>
+                </a:solidFill>
+              </a:rPr>
+              <a:t>https://</a:t>
+            </a:r>
+            <a:r>
+              <a:rPr lang="en-GB" sz="1000" dirty="0" err="1">
+                <a:solidFill>
+                  <a:schemeClr val="bg1"/>
+                </a:solidFill>
+              </a:rPr>
+              <a:t>www.dataquest.io</a:t>
+            </a:r>
+            <a:r>
+              <a:rPr lang="en-GB" sz="1000" dirty="0">
+                <a:solidFill>
+                  <a:schemeClr val="bg1"/>
+                </a:solidFill>
+              </a:rPr>
+              <a:t>/blog/web-scraping-python-using-beautiful-soup/</a:t>
+            </a:r>
+            <a:endParaRPr lang="en-NO" sz="1000" dirty="0">
+              <a:solidFill>
+                <a:schemeClr val="bg1"/>
+              </a:solidFill>
+            </a:endParaRPr>
+          </a:p>
+        </p:txBody>
+      </p:sp>
+    </p:spTree>
+    <p:extLst>
+      <p:ext uri="{BB962C8B-B14F-4D97-AF65-F5344CB8AC3E}">
+        <p14:creationId xmlns:p14="http://schemas.microsoft.com/office/powerpoint/2010/main" val="4247164602"/>
+      </p:ext>
+    </p:extLst>
+  </p:cSld>
+  <p:clrMapOvr>
+    <a:masterClrMapping/>
+  </p:clrMapOvr>
+</p:sld>
+</file>
+
+<file path=ppt/slides/slide11.xml><?xml version="1.0" encoding="utf-8"?>
+<p:sld xmlns:a="http://schemas.openxmlformats.org/drawingml/2006/main" xmlns:r="http://schemas.openxmlformats.org/officeDocument/2006/relationships" xmlns:p="http://schemas.openxmlformats.org/presentationml/2006/main">
+  <p:cSld>
+    <p:bg>
+      <p:bgPr>
+        <a:solidFill>
+          <a:srgbClr val="282C33"/>
+        </a:solidFill>
+        <a:effectLst/>
+      </p:bgPr>
+    </p:bg>
+    <p:spTree>
+      <p:nvGrpSpPr>
+        <p:cNvPr id="1" name=""/>
+        <p:cNvGrpSpPr/>
+        <p:nvPr/>
+      </p:nvGrpSpPr>
+      <p:grpSpPr>
+        <a:xfrm>
+          <a:off x="0" y="0"/>
+          <a:ext cx="0" cy="0"/>
+          <a:chOff x="0" y="0"/>
+          <a:chExt cx="0" cy="0"/>
+        </a:xfrm>
+      </p:grpSpPr>
+      <p:sp>
+        <p:nvSpPr>
+          <p:cNvPr id="2" name="Title 1">
+            <a:extLst>
+              <a:ext uri="{FF2B5EF4-FFF2-40B4-BE49-F238E27FC236}">
+                <a16:creationId xmlns:a16="http://schemas.microsoft.com/office/drawing/2014/main" id="{859BCCF3-FF25-C8D8-704F-070A393ECDB1}"/>
+              </a:ext>
+            </a:extLst>
+          </p:cNvPr>
+          <p:cNvSpPr>
+            <a:spLocks noGrp="1"/>
+          </p:cNvSpPr>
+          <p:nvPr>
+            <p:ph type="title"/>
+          </p:nvPr>
+        </p:nvSpPr>
+        <p:spPr/>
+        <p:txBody>
+          <a:bodyPr/>
+          <a:lstStyle/>
+          <a:p>
+            <a:r>
+              <a:rPr lang="nb-NO" dirty="0" err="1">
+                <a:solidFill>
+                  <a:schemeClr val="bg1"/>
+                </a:solidFill>
+              </a:rPr>
+              <a:t>Request</a:t>
+            </a:r>
+            <a:endParaRPr lang="en-NO" dirty="0">
+              <a:solidFill>
+                <a:schemeClr val="bg1"/>
+              </a:solidFill>
+            </a:endParaRPr>
+          </a:p>
+        </p:txBody>
+      </p:sp>
+      <p:sp>
+        <p:nvSpPr>
+          <p:cNvPr id="5" name="Content Placeholder 4">
+            <a:extLst>
+              <a:ext uri="{FF2B5EF4-FFF2-40B4-BE49-F238E27FC236}">
+                <a16:creationId xmlns:a16="http://schemas.microsoft.com/office/drawing/2014/main" id="{6B2BEB3F-719E-4052-38EF-629F637BE61F}"/>
+              </a:ext>
+            </a:extLst>
+          </p:cNvPr>
+          <p:cNvSpPr>
+            <a:spLocks noGrp="1"/>
+          </p:cNvSpPr>
+          <p:nvPr>
+            <p:ph idx="1"/>
+          </p:nvPr>
+        </p:nvSpPr>
+        <p:spPr/>
+        <p:txBody>
+          <a:bodyPr/>
+          <a:lstStyle/>
+          <a:p>
+            <a:r>
+              <a:rPr lang="en-GB" b="0" i="0" u="none" strike="noStrike" dirty="0">
+                <a:solidFill>
+                  <a:schemeClr val="bg1"/>
+                </a:solidFill>
+                <a:effectLst/>
+                <a:latin typeface="SSP Local"/>
+              </a:rPr>
+              <a:t>We can print out the HTML content of the page using the </a:t>
+            </a:r>
+            <a:r>
+              <a:rPr lang="en-GB" dirty="0">
+                <a:solidFill>
+                  <a:schemeClr val="bg1"/>
+                </a:solidFill>
+              </a:rPr>
+              <a:t>content</a:t>
+            </a:r>
+            <a:r>
+              <a:rPr lang="en-GB" b="0" i="0" u="none" strike="noStrike" dirty="0">
+                <a:solidFill>
+                  <a:schemeClr val="bg1"/>
+                </a:solidFill>
+                <a:effectLst/>
+                <a:latin typeface="SSP Local"/>
+              </a:rPr>
+              <a:t> property.</a:t>
+            </a:r>
+          </a:p>
+          <a:p>
+            <a:r>
+              <a:rPr lang="en-GB" dirty="0">
+                <a:solidFill>
+                  <a:schemeClr val="bg1"/>
+                </a:solidFill>
+                <a:latin typeface="SSP Local"/>
+              </a:rPr>
+              <a:t>But this looks messy </a:t>
+            </a:r>
+            <a:r>
+              <a:rPr lang="en-GB" dirty="0">
+                <a:solidFill>
+                  <a:schemeClr val="bg1"/>
+                </a:solidFill>
+                <a:latin typeface="SSP Local"/>
+                <a:sym typeface="Wingdings" pitchFamily="2" charset="2"/>
+              </a:rPr>
+              <a:t> </a:t>
+            </a:r>
+            <a:endParaRPr lang="en-NO" dirty="0">
+              <a:solidFill>
+                <a:schemeClr val="bg1"/>
+              </a:solidFill>
+            </a:endParaRPr>
+          </a:p>
+        </p:txBody>
+      </p:sp>
+      <p:sp>
+        <p:nvSpPr>
+          <p:cNvPr id="3" name="TextBox 2">
+            <a:extLst>
+              <a:ext uri="{FF2B5EF4-FFF2-40B4-BE49-F238E27FC236}">
+                <a16:creationId xmlns:a16="http://schemas.microsoft.com/office/drawing/2014/main" id="{D69E4062-DB3A-3BB1-217C-A5E1E5992DE3}"/>
+              </a:ext>
+            </a:extLst>
+          </p:cNvPr>
+          <p:cNvSpPr txBox="1"/>
+          <p:nvPr/>
+        </p:nvSpPr>
+        <p:spPr>
+          <a:xfrm>
+            <a:off x="8059137" y="6611779"/>
+            <a:ext cx="4132863" cy="246221"/>
+          </a:xfrm>
+          <a:prstGeom prst="rect">
+            <a:avLst/>
+          </a:prstGeom>
+          <a:noFill/>
+        </p:spPr>
+        <p:txBody>
+          <a:bodyPr wrap="none" rtlCol="0">
+            <a:spAutoFit/>
+          </a:bodyPr>
+          <a:lstStyle/>
+          <a:p>
+            <a:r>
+              <a:rPr lang="en-GB" sz="1000" dirty="0">
+                <a:solidFill>
+                  <a:schemeClr val="tx1">
+                    <a:lumMod val="50000"/>
+                    <a:lumOff val="50000"/>
+                  </a:schemeClr>
+                </a:solidFill>
+              </a:rPr>
+              <a:t>https://</a:t>
+            </a:r>
+            <a:r>
+              <a:rPr lang="en-GB" sz="1000" dirty="0" err="1">
+                <a:solidFill>
+                  <a:schemeClr val="tx1">
+                    <a:lumMod val="50000"/>
+                    <a:lumOff val="50000"/>
+                  </a:schemeClr>
+                </a:solidFill>
+              </a:rPr>
+              <a:t>www.dataquest.io</a:t>
+            </a:r>
+            <a:r>
+              <a:rPr lang="en-GB" sz="1000" dirty="0">
+                <a:solidFill>
+                  <a:schemeClr val="tx1">
+                    <a:lumMod val="50000"/>
+                    <a:lumOff val="50000"/>
+                  </a:schemeClr>
+                </a:solidFill>
+              </a:rPr>
+              <a:t>/blog/web-scraping-python-using-beautiful-soup/</a:t>
+            </a:r>
+            <a:endParaRPr lang="en-NO" sz="1000" dirty="0">
+              <a:solidFill>
+                <a:schemeClr val="tx1">
+                  <a:lumMod val="50000"/>
+                  <a:lumOff val="50000"/>
+                </a:schemeClr>
+              </a:solidFill>
+            </a:endParaRPr>
+          </a:p>
+        </p:txBody>
+      </p:sp>
+      <p:pic>
+        <p:nvPicPr>
+          <p:cNvPr id="6" name="Picture 5" descr="Text&#10;&#10;Description automatically generated">
+            <a:extLst>
+              <a:ext uri="{FF2B5EF4-FFF2-40B4-BE49-F238E27FC236}">
+                <a16:creationId xmlns:a16="http://schemas.microsoft.com/office/drawing/2014/main" id="{397742A7-C9FC-C1B7-6818-1B369AABD297}"/>
+              </a:ext>
+            </a:extLst>
+          </p:cNvPr>
+          <p:cNvPicPr>
+            <a:picLocks noChangeAspect="1"/>
+          </p:cNvPicPr>
+          <p:nvPr/>
+        </p:nvPicPr>
+        <p:blipFill>
+          <a:blip r:embed="rId2"/>
+          <a:stretch>
+            <a:fillRect/>
+          </a:stretch>
+        </p:blipFill>
+        <p:spPr>
+          <a:xfrm>
+            <a:off x="171775" y="3617140"/>
+            <a:ext cx="11848450" cy="1794332"/>
+          </a:xfrm>
+          <a:prstGeom prst="rect">
+            <a:avLst/>
+          </a:prstGeom>
+        </p:spPr>
+      </p:pic>
+    </p:spTree>
+    <p:extLst>
+      <p:ext uri="{BB962C8B-B14F-4D97-AF65-F5344CB8AC3E}">
+        <p14:creationId xmlns:p14="http://schemas.microsoft.com/office/powerpoint/2010/main" val="3084383268"/>
+      </p:ext>
+    </p:extLst>
+  </p:cSld>
+  <p:clrMapOvr>
+    <a:masterClrMapping/>
+  </p:clrMapOvr>
+</p:sld>
+</file>
+
+<file path=ppt/slides/slide12.xml><?xml version="1.0" encoding="utf-8"?>
+<p:sld xmlns:a="http://schemas.openxmlformats.org/drawingml/2006/main" xmlns:r="http://schemas.openxmlformats.org/officeDocument/2006/relationships" xmlns:p="http://schemas.openxmlformats.org/presentationml/2006/main">
+  <p:cSld>
+    <p:bg>
+      <p:bgPr>
+        <a:solidFill>
+          <a:srgbClr val="282C33"/>
+        </a:solidFill>
+        <a:effectLst/>
+      </p:bgPr>
+    </p:bg>
+    <p:spTree>
+      <p:nvGrpSpPr>
+        <p:cNvPr id="1" name=""/>
+        <p:cNvGrpSpPr/>
+        <p:nvPr/>
+      </p:nvGrpSpPr>
+      <p:grpSpPr>
+        <a:xfrm>
+          <a:off x="0" y="0"/>
+          <a:ext cx="0" cy="0"/>
+          <a:chOff x="0" y="0"/>
+          <a:chExt cx="0" cy="0"/>
+        </a:xfrm>
+      </p:grpSpPr>
+      <p:sp>
+        <p:nvSpPr>
+          <p:cNvPr id="2" name="Title 1">
+            <a:extLst>
+              <a:ext uri="{FF2B5EF4-FFF2-40B4-BE49-F238E27FC236}">
+                <a16:creationId xmlns:a16="http://schemas.microsoft.com/office/drawing/2014/main" id="{859BCCF3-FF25-C8D8-704F-070A393ECDB1}"/>
+              </a:ext>
+            </a:extLst>
+          </p:cNvPr>
+          <p:cNvSpPr>
+            <a:spLocks noGrp="1"/>
+          </p:cNvSpPr>
+          <p:nvPr>
+            <p:ph type="title"/>
+          </p:nvPr>
+        </p:nvSpPr>
+        <p:spPr/>
+        <p:txBody>
+          <a:bodyPr/>
+          <a:lstStyle/>
+          <a:p>
+            <a:r>
+              <a:rPr lang="en-NO" dirty="0">
+                <a:solidFill>
+                  <a:schemeClr val="bg1"/>
+                </a:solidFill>
+              </a:rPr>
+              <a:t>Be</a:t>
+            </a:r>
+            <a:r>
+              <a:rPr lang="en-GB" dirty="0">
+                <a:solidFill>
+                  <a:schemeClr val="bg1"/>
+                </a:solidFill>
+              </a:rPr>
+              <a:t>a</a:t>
+            </a:r>
+            <a:r>
+              <a:rPr lang="en-NO" dirty="0">
+                <a:solidFill>
+                  <a:schemeClr val="bg1"/>
+                </a:solidFill>
+              </a:rPr>
+              <a:t>utiful Soup – The basics</a:t>
+            </a:r>
+          </a:p>
+        </p:txBody>
+      </p:sp>
+      <p:sp>
+        <p:nvSpPr>
+          <p:cNvPr id="5" name="Content Placeholder 4">
+            <a:extLst>
+              <a:ext uri="{FF2B5EF4-FFF2-40B4-BE49-F238E27FC236}">
+                <a16:creationId xmlns:a16="http://schemas.microsoft.com/office/drawing/2014/main" id="{6B2BEB3F-719E-4052-38EF-629F637BE61F}"/>
+              </a:ext>
+            </a:extLst>
+          </p:cNvPr>
+          <p:cNvSpPr>
+            <a:spLocks noGrp="1"/>
+          </p:cNvSpPr>
+          <p:nvPr>
+            <p:ph idx="1"/>
+          </p:nvPr>
+        </p:nvSpPr>
+        <p:spPr/>
+        <p:txBody>
+          <a:bodyPr/>
+          <a:lstStyle/>
+          <a:p>
+            <a:r>
+              <a:rPr lang="en-GB" b="0" i="0" u="none" strike="noStrike" dirty="0">
+                <a:solidFill>
+                  <a:schemeClr val="bg1"/>
+                </a:solidFill>
+                <a:effectLst/>
+              </a:rPr>
+              <a:t>Using the Beautiful Soup </a:t>
+            </a:r>
+            <a:r>
+              <a:rPr lang="en-GB" b="0" i="0" u="none" strike="noStrike" dirty="0">
+                <a:solidFill>
+                  <a:schemeClr val="bg1"/>
+                </a:solidFill>
+                <a:effectLst/>
+                <a:latin typeface="Miriam Fixed" panose="020B0509050101010101" pitchFamily="49" charset="-79"/>
+                <a:cs typeface="Miriam Fixed" panose="020B0509050101010101" pitchFamily="49" charset="-79"/>
+              </a:rPr>
+              <a:t>prettify()</a:t>
+            </a:r>
+            <a:r>
+              <a:rPr lang="en-GB" b="0" i="0" u="none" strike="noStrike" dirty="0">
+                <a:solidFill>
+                  <a:schemeClr val="bg1"/>
+                </a:solidFill>
+                <a:effectLst/>
+                <a:cs typeface="Miriam Fixed" panose="020B0509050101010101" pitchFamily="49" charset="-79"/>
+              </a:rPr>
+              <a:t> method </a:t>
+            </a:r>
+            <a:r>
+              <a:rPr lang="en-GB" b="0" i="0" u="none" strike="noStrike" dirty="0">
+                <a:solidFill>
+                  <a:schemeClr val="bg1"/>
+                </a:solidFill>
+                <a:effectLst/>
+              </a:rPr>
+              <a:t>makes it more readable!</a:t>
+            </a:r>
+          </a:p>
+          <a:p>
+            <a:endParaRPr lang="en-NO" dirty="0">
+              <a:solidFill>
+                <a:schemeClr val="bg1"/>
+              </a:solidFill>
+            </a:endParaRPr>
+          </a:p>
+        </p:txBody>
+      </p:sp>
+      <p:sp>
+        <p:nvSpPr>
+          <p:cNvPr id="3" name="TextBox 2">
+            <a:extLst>
+              <a:ext uri="{FF2B5EF4-FFF2-40B4-BE49-F238E27FC236}">
+                <a16:creationId xmlns:a16="http://schemas.microsoft.com/office/drawing/2014/main" id="{47C51FD8-79EE-697D-8B62-D09888812751}"/>
+              </a:ext>
+            </a:extLst>
+          </p:cNvPr>
+          <p:cNvSpPr txBox="1"/>
+          <p:nvPr/>
+        </p:nvSpPr>
+        <p:spPr>
+          <a:xfrm>
+            <a:off x="8059137" y="6611779"/>
+            <a:ext cx="4132863" cy="246221"/>
+          </a:xfrm>
+          <a:prstGeom prst="rect">
+            <a:avLst/>
+          </a:prstGeom>
+          <a:noFill/>
+        </p:spPr>
+        <p:txBody>
+          <a:bodyPr wrap="none" rtlCol="0">
+            <a:spAutoFit/>
+          </a:bodyPr>
+          <a:lstStyle/>
+          <a:p>
+            <a:r>
+              <a:rPr lang="en-GB" sz="1000" dirty="0">
+                <a:solidFill>
+                  <a:schemeClr val="tx1">
+                    <a:lumMod val="50000"/>
+                    <a:lumOff val="50000"/>
+                  </a:schemeClr>
+                </a:solidFill>
+              </a:rPr>
+              <a:t>https://</a:t>
+            </a:r>
+            <a:r>
+              <a:rPr lang="en-GB" sz="1000" dirty="0" err="1">
+                <a:solidFill>
+                  <a:schemeClr val="tx1">
+                    <a:lumMod val="50000"/>
+                    <a:lumOff val="50000"/>
+                  </a:schemeClr>
+                </a:solidFill>
+              </a:rPr>
+              <a:t>www.dataquest.io</a:t>
+            </a:r>
+            <a:r>
+              <a:rPr lang="en-GB" sz="1000" dirty="0">
+                <a:solidFill>
+                  <a:schemeClr val="tx1">
+                    <a:lumMod val="50000"/>
+                    <a:lumOff val="50000"/>
+                  </a:schemeClr>
+                </a:solidFill>
+              </a:rPr>
+              <a:t>/blog/web-scraping-python-using-beautiful-soup/</a:t>
+            </a:r>
+            <a:endParaRPr lang="en-NO" sz="1000" dirty="0">
+              <a:solidFill>
+                <a:schemeClr val="tx1">
+                  <a:lumMod val="50000"/>
+                  <a:lumOff val="50000"/>
+                </a:schemeClr>
+              </a:solidFill>
+            </a:endParaRPr>
+          </a:p>
+        </p:txBody>
+      </p:sp>
+      <p:pic>
+        <p:nvPicPr>
+          <p:cNvPr id="6" name="Picture 5" descr="Text&#10;&#10;Description automatically generated">
+            <a:extLst>
+              <a:ext uri="{FF2B5EF4-FFF2-40B4-BE49-F238E27FC236}">
+                <a16:creationId xmlns:a16="http://schemas.microsoft.com/office/drawing/2014/main" id="{0EC5A913-F634-AAAC-C922-C12BE0C073F9}"/>
+              </a:ext>
+            </a:extLst>
+          </p:cNvPr>
+          <p:cNvPicPr>
+            <a:picLocks noChangeAspect="1"/>
+          </p:cNvPicPr>
+          <p:nvPr/>
+        </p:nvPicPr>
+        <p:blipFill>
+          <a:blip r:embed="rId2"/>
+          <a:stretch>
+            <a:fillRect/>
+          </a:stretch>
+        </p:blipFill>
+        <p:spPr>
+          <a:xfrm>
+            <a:off x="1088767" y="2844799"/>
+            <a:ext cx="5986585" cy="3648075"/>
+          </a:xfrm>
+          <a:prstGeom prst="rect">
+            <a:avLst/>
+          </a:prstGeom>
+        </p:spPr>
+      </p:pic>
+    </p:spTree>
+    <p:extLst>
+      <p:ext uri="{BB962C8B-B14F-4D97-AF65-F5344CB8AC3E}">
+        <p14:creationId xmlns:p14="http://schemas.microsoft.com/office/powerpoint/2010/main" val="1856986117"/>
+      </p:ext>
+    </p:extLst>
+  </p:cSld>
+  <p:clrMapOvr>
+    <a:masterClrMapping/>
+  </p:clrMapOvr>
+</p:sld>
+</file>
+
+<file path=ppt/slides/slide13.xml><?xml version="1.0" encoding="utf-8"?>
+<p:sld xmlns:a="http://schemas.openxmlformats.org/drawingml/2006/main" xmlns:r="http://schemas.openxmlformats.org/officeDocument/2006/relationships" xmlns:p="http://schemas.openxmlformats.org/presentationml/2006/main">
+  <p:cSld>
+    <p:bg>
+      <p:bgPr>
+        <a:solidFill>
+          <a:srgbClr val="282C33"/>
+        </a:solidFill>
+        <a:effectLst/>
+      </p:bgPr>
+    </p:bg>
+    <p:spTree>
+      <p:nvGrpSpPr>
+        <p:cNvPr id="1" name=""/>
+        <p:cNvGrpSpPr/>
+        <p:nvPr/>
+      </p:nvGrpSpPr>
+      <p:grpSpPr>
+        <a:xfrm>
+          <a:off x="0" y="0"/>
+          <a:ext cx="0" cy="0"/>
+          <a:chOff x="0" y="0"/>
+          <a:chExt cx="0" cy="0"/>
+        </a:xfrm>
+      </p:grpSpPr>
+      <p:sp>
+        <p:nvSpPr>
+          <p:cNvPr id="2" name="Title 1">
+            <a:extLst>
+              <a:ext uri="{FF2B5EF4-FFF2-40B4-BE49-F238E27FC236}">
+                <a16:creationId xmlns:a16="http://schemas.microsoft.com/office/drawing/2014/main" id="{E1438057-88FB-866E-D8BE-4CA82AE51A05}"/>
+              </a:ext>
+            </a:extLst>
+          </p:cNvPr>
+          <p:cNvSpPr>
+            <a:spLocks noGrp="1"/>
+          </p:cNvSpPr>
+          <p:nvPr>
+            <p:ph type="title"/>
+          </p:nvPr>
+        </p:nvSpPr>
+        <p:spPr/>
+        <p:txBody>
+          <a:bodyPr/>
+          <a:lstStyle/>
+          <a:p>
+            <a:r>
+              <a:rPr lang="en-NO" dirty="0">
+                <a:solidFill>
+                  <a:schemeClr val="bg1"/>
+                </a:solidFill>
+              </a:rPr>
+              <a:t>Be</a:t>
+            </a:r>
+            <a:r>
+              <a:rPr lang="en-GB" dirty="0">
+                <a:solidFill>
+                  <a:schemeClr val="bg1"/>
+                </a:solidFill>
+              </a:rPr>
+              <a:t>a</a:t>
+            </a:r>
+            <a:r>
+              <a:rPr lang="en-NO" dirty="0">
+                <a:solidFill>
+                  <a:schemeClr val="bg1"/>
+                </a:solidFill>
+              </a:rPr>
+              <a:t>utiful Soup – Find the tags</a:t>
             </a:r>
           </a:p>
         </p:txBody>
@@ -4009,15 +5148,15 @@
           <p:cNvPr id="3" name="Content Placeholder 2">
             <a:extLst>
               <a:ext uri="{FF2B5EF4-FFF2-40B4-BE49-F238E27FC236}">
-                <a16:creationId xmlns:a16="http://schemas.microsoft.com/office/drawing/2014/main" id="{2F0D4795-57BC-67FF-64DD-68DC6FAD0BE3}"/>
-              </a:ext>
-            </a:extLst>
-          </p:cNvPr>
-          <p:cNvSpPr>
-            <a:spLocks noGrp="1"/>
-          </p:cNvSpPr>
-          <p:nvPr>
-            <p:ph sz="half" idx="1"/>
+                <a16:creationId xmlns:a16="http://schemas.microsoft.com/office/drawing/2014/main" id="{9C5170F5-E25D-9DFF-E262-64A4985663CA}"/>
+              </a:ext>
+            </a:extLst>
+          </p:cNvPr>
+          <p:cNvSpPr>
+            <a:spLocks noGrp="1"/>
+          </p:cNvSpPr>
+          <p:nvPr>
+            <p:ph idx="1"/>
           </p:nvPr>
         </p:nvSpPr>
         <p:spPr/>
@@ -4026,92 +5165,623 @@
           <a:lstStyle/>
           <a:p>
             <a:r>
-              <a:rPr lang="en-NO" dirty="0"/>
-              <a:t>On the </a:t>
-            </a:r>
-            <a:r>
-              <a:rPr lang="en-GB" dirty="0"/>
-              <a:t>Course homepage</a:t>
-            </a:r>
-            <a:r>
-              <a:rPr lang="en-NO" dirty="0"/>
-              <a:t>, you can find good resources</a:t>
-            </a:r>
-          </a:p>
-          <a:p>
-            <a:pPr lvl="1"/>
-            <a:r>
-              <a:rPr lang="en-GB" dirty="0"/>
-              <a:t>T</a:t>
-            </a:r>
-            <a:r>
-              <a:rPr lang="en-NO" dirty="0"/>
-              <a:t>here may also be some hints hiding there;)</a:t>
-            </a:r>
-          </a:p>
-          <a:p>
-            <a:endParaRPr lang="en-NO" dirty="0"/>
-          </a:p>
-          <a:p>
-            <a:endParaRPr lang="en-NO" dirty="0"/>
-          </a:p>
-          <a:p>
-            <a:endParaRPr lang="en-NO" dirty="0"/>
-          </a:p>
-          <a:p>
-            <a:endParaRPr lang="en-NO" dirty="0"/>
+              <a:rPr lang="en-GB" dirty="0">
+                <a:solidFill>
+                  <a:schemeClr val="bg1"/>
+                </a:solidFill>
+              </a:rPr>
+              <a:t>If we want to extract a single tag, we can instead use the </a:t>
+            </a:r>
+            <a:r>
+              <a:rPr lang="en-GB" dirty="0" err="1">
+                <a:solidFill>
+                  <a:schemeClr val="bg1"/>
+                </a:solidFill>
+                <a:latin typeface="Miriam Fixed" panose="020B0509050101010101" pitchFamily="49" charset="-79"/>
+                <a:cs typeface="Miriam Fixed" panose="020B0509050101010101" pitchFamily="49" charset="-79"/>
+              </a:rPr>
+              <a:t>find_all</a:t>
+            </a:r>
+            <a:r>
+              <a:rPr lang="en-GB" dirty="0">
+                <a:solidFill>
+                  <a:schemeClr val="bg1"/>
+                </a:solidFill>
+                <a:latin typeface="Miriam Fixed" panose="020B0509050101010101" pitchFamily="49" charset="-79"/>
+                <a:cs typeface="Miriam Fixed" panose="020B0509050101010101" pitchFamily="49" charset="-79"/>
+              </a:rPr>
+              <a:t> </a:t>
+            </a:r>
+            <a:r>
+              <a:rPr lang="en-GB" dirty="0">
+                <a:solidFill>
+                  <a:schemeClr val="bg1"/>
+                </a:solidFill>
+              </a:rPr>
+              <a:t>method, which will find all the instances of a tag on a page and put it in a list.</a:t>
+            </a:r>
+          </a:p>
+        </p:txBody>
+      </p:sp>
+      <p:sp>
+        <p:nvSpPr>
+          <p:cNvPr id="4" name="TextBox 3">
+            <a:extLst>
+              <a:ext uri="{FF2B5EF4-FFF2-40B4-BE49-F238E27FC236}">
+                <a16:creationId xmlns:a16="http://schemas.microsoft.com/office/drawing/2014/main" id="{960ADC09-2298-1AE0-0D70-B8E61186B21C}"/>
+              </a:ext>
+            </a:extLst>
+          </p:cNvPr>
+          <p:cNvSpPr txBox="1"/>
+          <p:nvPr/>
+        </p:nvSpPr>
+        <p:spPr>
+          <a:xfrm>
+            <a:off x="8059137" y="6611779"/>
+            <a:ext cx="4132863" cy="246221"/>
+          </a:xfrm>
+          <a:prstGeom prst="rect">
+            <a:avLst/>
+          </a:prstGeom>
+          <a:noFill/>
+        </p:spPr>
+        <p:txBody>
+          <a:bodyPr wrap="none" rtlCol="0">
+            <a:spAutoFit/>
+          </a:bodyPr>
+          <a:lstStyle/>
+          <a:p>
+            <a:r>
+              <a:rPr lang="en-GB" sz="1000" dirty="0">
+                <a:solidFill>
+                  <a:schemeClr val="tx1">
+                    <a:lumMod val="50000"/>
+                    <a:lumOff val="50000"/>
+                  </a:schemeClr>
+                </a:solidFill>
+              </a:rPr>
+              <a:t>https://</a:t>
+            </a:r>
+            <a:r>
+              <a:rPr lang="en-GB" sz="1000" dirty="0" err="1">
+                <a:solidFill>
+                  <a:schemeClr val="tx1">
+                    <a:lumMod val="50000"/>
+                    <a:lumOff val="50000"/>
+                  </a:schemeClr>
+                </a:solidFill>
+              </a:rPr>
+              <a:t>www.dataquest.io</a:t>
+            </a:r>
+            <a:r>
+              <a:rPr lang="en-GB" sz="1000" dirty="0">
+                <a:solidFill>
+                  <a:schemeClr val="tx1">
+                    <a:lumMod val="50000"/>
+                    <a:lumOff val="50000"/>
+                  </a:schemeClr>
+                </a:solidFill>
+              </a:rPr>
+              <a:t>/blog/web-scraping-python-using-beautiful-soup/</a:t>
+            </a:r>
+            <a:endParaRPr lang="en-NO" sz="1000" dirty="0">
+              <a:solidFill>
+                <a:schemeClr val="tx1">
+                  <a:lumMod val="50000"/>
+                  <a:lumOff val="50000"/>
+                </a:schemeClr>
+              </a:solidFill>
+            </a:endParaRPr>
+          </a:p>
+        </p:txBody>
+      </p:sp>
+      <p:pic>
+        <p:nvPicPr>
+          <p:cNvPr id="6" name="Picture 5">
+            <a:extLst>
+              <a:ext uri="{FF2B5EF4-FFF2-40B4-BE49-F238E27FC236}">
+                <a16:creationId xmlns:a16="http://schemas.microsoft.com/office/drawing/2014/main" id="{97DB1B22-E15F-023F-9D4A-E592E3CBB0A2}"/>
+              </a:ext>
+            </a:extLst>
+          </p:cNvPr>
+          <p:cNvPicPr>
+            <a:picLocks noChangeAspect="1"/>
+          </p:cNvPicPr>
+          <p:nvPr/>
+        </p:nvPicPr>
+        <p:blipFill>
+          <a:blip r:embed="rId2"/>
+          <a:stretch>
+            <a:fillRect/>
+          </a:stretch>
+        </p:blipFill>
+        <p:spPr>
+          <a:xfrm>
+            <a:off x="0" y="4165141"/>
+            <a:ext cx="19235668" cy="688105"/>
+          </a:xfrm>
+          <a:prstGeom prst="rect">
+            <a:avLst/>
+          </a:prstGeom>
+        </p:spPr>
+      </p:pic>
+    </p:spTree>
+    <p:extLst>
+      <p:ext uri="{BB962C8B-B14F-4D97-AF65-F5344CB8AC3E}">
+        <p14:creationId xmlns:p14="http://schemas.microsoft.com/office/powerpoint/2010/main" val="862637267"/>
+      </p:ext>
+    </p:extLst>
+  </p:cSld>
+  <p:clrMapOvr>
+    <a:masterClrMapping/>
+  </p:clrMapOvr>
+</p:sld>
+</file>
+
+<file path=ppt/slides/slide14.xml><?xml version="1.0" encoding="utf-8"?>
+<p:sld xmlns:a="http://schemas.openxmlformats.org/drawingml/2006/main" xmlns:r="http://schemas.openxmlformats.org/officeDocument/2006/relationships" xmlns:p="http://schemas.openxmlformats.org/presentationml/2006/main">
+  <p:cSld>
+    <p:bg>
+      <p:bgPr>
+        <a:solidFill>
+          <a:srgbClr val="282C33"/>
+        </a:solidFill>
+        <a:effectLst/>
+      </p:bgPr>
+    </p:bg>
+    <p:spTree>
+      <p:nvGrpSpPr>
+        <p:cNvPr id="1" name=""/>
+        <p:cNvGrpSpPr/>
+        <p:nvPr/>
+      </p:nvGrpSpPr>
+      <p:grpSpPr>
+        <a:xfrm>
+          <a:off x="0" y="0"/>
+          <a:ext cx="0" cy="0"/>
+          <a:chOff x="0" y="0"/>
+          <a:chExt cx="0" cy="0"/>
+        </a:xfrm>
+      </p:grpSpPr>
+      <p:sp>
+        <p:nvSpPr>
+          <p:cNvPr id="2" name="Title 1">
+            <a:extLst>
+              <a:ext uri="{FF2B5EF4-FFF2-40B4-BE49-F238E27FC236}">
+                <a16:creationId xmlns:a16="http://schemas.microsoft.com/office/drawing/2014/main" id="{9BC7128C-0369-4885-E870-4D94A39472AC}"/>
+              </a:ext>
+            </a:extLst>
+          </p:cNvPr>
+          <p:cNvSpPr>
+            <a:spLocks noGrp="1"/>
+          </p:cNvSpPr>
+          <p:nvPr>
+            <p:ph type="title"/>
+          </p:nvPr>
+        </p:nvSpPr>
+        <p:spPr/>
+        <p:txBody>
+          <a:bodyPr/>
+          <a:lstStyle/>
+          <a:p>
+            <a:r>
+              <a:rPr lang="en-NO" dirty="0">
+                <a:solidFill>
+                  <a:schemeClr val="bg1"/>
+                </a:solidFill>
+              </a:rPr>
+              <a:t>Be</a:t>
+            </a:r>
+            <a:r>
+              <a:rPr lang="en-GB" dirty="0">
+                <a:solidFill>
+                  <a:schemeClr val="bg1"/>
+                </a:solidFill>
+              </a:rPr>
+              <a:t>a</a:t>
+            </a:r>
+            <a:r>
+              <a:rPr lang="en-NO" dirty="0">
+                <a:solidFill>
+                  <a:schemeClr val="bg1"/>
+                </a:solidFill>
+              </a:rPr>
+              <a:t>utiful Soup – find id and class</a:t>
+            </a:r>
+          </a:p>
+        </p:txBody>
+      </p:sp>
+      <p:sp>
+        <p:nvSpPr>
+          <p:cNvPr id="3" name="Content Placeholder 2">
+            <a:extLst>
+              <a:ext uri="{FF2B5EF4-FFF2-40B4-BE49-F238E27FC236}">
+                <a16:creationId xmlns:a16="http://schemas.microsoft.com/office/drawing/2014/main" id="{FB085E2B-1E92-EC2D-AE92-182FF7A9E8A8}"/>
+              </a:ext>
+            </a:extLst>
+          </p:cNvPr>
+          <p:cNvSpPr>
+            <a:spLocks noGrp="1"/>
+          </p:cNvSpPr>
+          <p:nvPr>
+            <p:ph idx="1"/>
+          </p:nvPr>
+        </p:nvSpPr>
+        <p:spPr/>
+        <p:txBody>
+          <a:bodyPr/>
+          <a:lstStyle/>
+          <a:p>
+            <a:r>
+              <a:rPr lang="en-NO" dirty="0">
+                <a:solidFill>
+                  <a:schemeClr val="bg1"/>
+                </a:solidFill>
+              </a:rPr>
+              <a:t>Be</a:t>
+            </a:r>
+            <a:r>
+              <a:rPr lang="en-GB" dirty="0">
+                <a:solidFill>
+                  <a:schemeClr val="bg1"/>
+                </a:solidFill>
+              </a:rPr>
+              <a:t>a</a:t>
+            </a:r>
+            <a:r>
+              <a:rPr lang="en-NO" dirty="0">
+                <a:solidFill>
+                  <a:schemeClr val="bg1"/>
+                </a:solidFill>
+              </a:rPr>
+              <a:t>utiful Soup can also be used to find classes or id’s</a:t>
+            </a:r>
+          </a:p>
+          <a:p>
+            <a:endParaRPr lang="en-NO" dirty="0">
+              <a:solidFill>
+                <a:schemeClr val="bg1"/>
+              </a:solidFill>
+            </a:endParaRPr>
           </a:p>
           <a:p>
             <a:pPr marL="0" indent="0">
               <a:buNone/>
             </a:pPr>
             <a:r>
+              <a:rPr lang="en-GB" dirty="0" err="1">
+                <a:solidFill>
+                  <a:schemeClr val="bg1"/>
+                </a:solidFill>
+                <a:latin typeface="Miriam Fixed" panose="020B0509050101010101" pitchFamily="49" charset="-79"/>
+                <a:cs typeface="Miriam Fixed" panose="020B0509050101010101" pitchFamily="49" charset="-79"/>
+              </a:rPr>
+              <a:t>soup</a:t>
+            </a:r>
+            <a:r>
+              <a:rPr lang="en-GB" dirty="0" err="1">
+                <a:solidFill>
+                  <a:schemeClr val="bg1"/>
+                </a:solidFill>
+                <a:effectLst/>
+                <a:latin typeface="Miriam Fixed" panose="020B0509050101010101" pitchFamily="49" charset="-79"/>
+                <a:cs typeface="Miriam Fixed" panose="020B0509050101010101" pitchFamily="49" charset="-79"/>
+              </a:rPr>
+              <a:t>.</a:t>
+            </a:r>
+            <a:r>
+              <a:rPr lang="en-GB" dirty="0" err="1">
+                <a:solidFill>
+                  <a:schemeClr val="bg1"/>
+                </a:solidFill>
+                <a:latin typeface="Miriam Fixed" panose="020B0509050101010101" pitchFamily="49" charset="-79"/>
+                <a:cs typeface="Miriam Fixed" panose="020B0509050101010101" pitchFamily="49" charset="-79"/>
+              </a:rPr>
+              <a:t>find_all</a:t>
+            </a:r>
+            <a:r>
               <a:rPr lang="en-GB" dirty="0">
-                <a:hlinkClick r:id="rId2"/>
-              </a:rPr>
-              <a:t>https://uio-in3110.github.io/</a:t>
-            </a:r>
-            <a:endParaRPr lang="en-GB" dirty="0"/>
+                <a:solidFill>
+                  <a:schemeClr val="bg1"/>
+                </a:solidFill>
+                <a:effectLst/>
+                <a:latin typeface="Miriam Fixed" panose="020B0509050101010101" pitchFamily="49" charset="-79"/>
+                <a:cs typeface="Miriam Fixed" panose="020B0509050101010101" pitchFamily="49" charset="-79"/>
+              </a:rPr>
+              <a:t>(</a:t>
+            </a:r>
+            <a:r>
+              <a:rPr lang="en-GB" dirty="0">
+                <a:solidFill>
+                  <a:schemeClr val="bg1"/>
+                </a:solidFill>
+                <a:latin typeface="Miriam Fixed" panose="020B0509050101010101" pitchFamily="49" charset="-79"/>
+                <a:cs typeface="Miriam Fixed" panose="020B0509050101010101" pitchFamily="49" charset="-79"/>
+              </a:rPr>
+              <a:t>id</a:t>
+            </a:r>
+            <a:r>
+              <a:rPr lang="en-GB" dirty="0">
+                <a:solidFill>
+                  <a:schemeClr val="bg1"/>
+                </a:solidFill>
+                <a:effectLst/>
+                <a:latin typeface="Miriam Fixed" panose="020B0509050101010101" pitchFamily="49" charset="-79"/>
+                <a:cs typeface="Miriam Fixed" panose="020B0509050101010101" pitchFamily="49" charset="-79"/>
+              </a:rPr>
+              <a:t>=”</a:t>
+            </a:r>
+            <a:r>
+              <a:rPr lang="en-GB" dirty="0" err="1">
+                <a:solidFill>
+                  <a:schemeClr val="bg1"/>
+                </a:solidFill>
+                <a:effectLst/>
+                <a:latin typeface="Miriam Fixed" panose="020B0509050101010101" pitchFamily="49" charset="-79"/>
+                <a:cs typeface="Miriam Fixed" panose="020B0509050101010101" pitchFamily="49" charset="-79"/>
+              </a:rPr>
+              <a:t>id_name</a:t>
+            </a:r>
+            <a:r>
+              <a:rPr lang="en-GB" dirty="0">
+                <a:solidFill>
+                  <a:schemeClr val="bg1"/>
+                </a:solidFill>
+                <a:effectLst/>
+                <a:latin typeface="Miriam Fixed" panose="020B0509050101010101" pitchFamily="49" charset="-79"/>
+                <a:cs typeface="Miriam Fixed" panose="020B0509050101010101" pitchFamily="49" charset="-79"/>
+              </a:rPr>
+              <a:t>")</a:t>
+            </a:r>
           </a:p>
           <a:p>
             <a:pPr marL="0" indent="0">
               <a:buNone/>
             </a:pPr>
+            <a:endParaRPr lang="en-GB" dirty="0">
+              <a:solidFill>
+                <a:schemeClr val="bg1"/>
+              </a:solidFill>
+              <a:latin typeface="Miriam Fixed" panose="020B0509050101010101" pitchFamily="49" charset="-79"/>
+              <a:cs typeface="Miriam Fixed" panose="020B0509050101010101" pitchFamily="49" charset="-79"/>
+            </a:endParaRPr>
+          </a:p>
+          <a:p>
+            <a:pPr marL="0" indent="0">
+              <a:buNone/>
+            </a:pPr>
+            <a:r>
+              <a:rPr lang="en-GB" dirty="0" err="1">
+                <a:solidFill>
+                  <a:schemeClr val="bg1"/>
+                </a:solidFill>
+                <a:latin typeface="Miriam Fixed" panose="020B0509050101010101" pitchFamily="49" charset="-79"/>
+                <a:cs typeface="Miriam Fixed" panose="020B0509050101010101" pitchFamily="49" charset="-79"/>
+              </a:rPr>
+              <a:t>soup.find_all</a:t>
+            </a:r>
+            <a:r>
+              <a:rPr lang="en-GB" dirty="0">
+                <a:solidFill>
+                  <a:schemeClr val="bg1"/>
+                </a:solidFill>
+                <a:latin typeface="Miriam Fixed" panose="020B0509050101010101" pitchFamily="49" charset="-79"/>
+                <a:cs typeface="Miriam Fixed" panose="020B0509050101010101" pitchFamily="49" charset="-79"/>
+              </a:rPr>
+              <a:t>(class_=”</a:t>
+            </a:r>
+            <a:r>
+              <a:rPr lang="en-GB" dirty="0" err="1">
+                <a:solidFill>
+                  <a:schemeClr val="bg1"/>
+                </a:solidFill>
+                <a:latin typeface="Miriam Fixed" panose="020B0509050101010101" pitchFamily="49" charset="-79"/>
+                <a:cs typeface="Miriam Fixed" panose="020B0509050101010101" pitchFamily="49" charset="-79"/>
+              </a:rPr>
+              <a:t>class_name</a:t>
+            </a:r>
+            <a:r>
+              <a:rPr lang="en-GB" dirty="0">
+                <a:solidFill>
+                  <a:schemeClr val="bg1"/>
+                </a:solidFill>
+                <a:latin typeface="Miriam Fixed" panose="020B0509050101010101" pitchFamily="49" charset="-79"/>
+                <a:cs typeface="Miriam Fixed" panose="020B0509050101010101" pitchFamily="49" charset="-79"/>
+              </a:rPr>
+              <a:t>")</a:t>
+            </a:r>
+            <a:endParaRPr lang="en-NO" dirty="0">
+              <a:solidFill>
+                <a:schemeClr val="bg1"/>
+              </a:solidFill>
+              <a:latin typeface="Miriam Fixed" panose="020B0509050101010101" pitchFamily="49" charset="-79"/>
+              <a:cs typeface="Miriam Fixed" panose="020B0509050101010101" pitchFamily="49" charset="-79"/>
+            </a:endParaRPr>
+          </a:p>
+        </p:txBody>
+      </p:sp>
+      <p:sp>
+        <p:nvSpPr>
+          <p:cNvPr id="4" name="TextBox 3">
+            <a:extLst>
+              <a:ext uri="{FF2B5EF4-FFF2-40B4-BE49-F238E27FC236}">
+                <a16:creationId xmlns:a16="http://schemas.microsoft.com/office/drawing/2014/main" id="{1F0F870F-D6DD-9C70-42E8-DA5FBB578526}"/>
+              </a:ext>
+            </a:extLst>
+          </p:cNvPr>
+          <p:cNvSpPr txBox="1"/>
+          <p:nvPr/>
+        </p:nvSpPr>
+        <p:spPr>
+          <a:xfrm>
+            <a:off x="8059137" y="6611779"/>
+            <a:ext cx="4132863" cy="246221"/>
+          </a:xfrm>
+          <a:prstGeom prst="rect">
+            <a:avLst/>
+          </a:prstGeom>
+          <a:noFill/>
+        </p:spPr>
+        <p:txBody>
+          <a:bodyPr wrap="none" rtlCol="0">
+            <a:spAutoFit/>
+          </a:bodyPr>
+          <a:lstStyle/>
+          <a:p>
+            <a:r>
+              <a:rPr lang="en-GB" sz="1000" dirty="0">
+                <a:solidFill>
+                  <a:schemeClr val="tx1">
+                    <a:lumMod val="50000"/>
+                    <a:lumOff val="50000"/>
+                  </a:schemeClr>
+                </a:solidFill>
+              </a:rPr>
+              <a:t>https://</a:t>
+            </a:r>
+            <a:r>
+              <a:rPr lang="en-GB" sz="1000" dirty="0" err="1">
+                <a:solidFill>
+                  <a:schemeClr val="tx1">
+                    <a:lumMod val="50000"/>
+                    <a:lumOff val="50000"/>
+                  </a:schemeClr>
+                </a:solidFill>
+              </a:rPr>
+              <a:t>www.dataquest.io</a:t>
+            </a:r>
+            <a:r>
+              <a:rPr lang="en-GB" sz="1000" dirty="0">
+                <a:solidFill>
+                  <a:schemeClr val="tx1">
+                    <a:lumMod val="50000"/>
+                    <a:lumOff val="50000"/>
+                  </a:schemeClr>
+                </a:solidFill>
+              </a:rPr>
+              <a:t>/blog/web-scraping-python-using-beautiful-soup/</a:t>
+            </a:r>
+            <a:endParaRPr lang="en-NO" sz="1000" dirty="0">
+              <a:solidFill>
+                <a:schemeClr val="tx1">
+                  <a:lumMod val="50000"/>
+                  <a:lumOff val="50000"/>
+                </a:schemeClr>
+              </a:solidFill>
+            </a:endParaRPr>
+          </a:p>
+        </p:txBody>
+      </p:sp>
+    </p:spTree>
+    <p:extLst>
+      <p:ext uri="{BB962C8B-B14F-4D97-AF65-F5344CB8AC3E}">
+        <p14:creationId xmlns:p14="http://schemas.microsoft.com/office/powerpoint/2010/main" val="3947279283"/>
+      </p:ext>
+    </p:extLst>
+  </p:cSld>
+  <p:clrMapOvr>
+    <a:masterClrMapping/>
+  </p:clrMapOvr>
+</p:sld>
+</file>
+
+<file path=ppt/slides/slide15.xml><?xml version="1.0" encoding="utf-8"?>
+<p:sld xmlns:a="http://schemas.openxmlformats.org/drawingml/2006/main" xmlns:r="http://schemas.openxmlformats.org/officeDocument/2006/relationships" xmlns:p="http://schemas.openxmlformats.org/presentationml/2006/main">
+  <p:cSld>
+    <p:spTree>
+      <p:nvGrpSpPr>
+        <p:cNvPr id="1" name=""/>
+        <p:cNvGrpSpPr/>
+        <p:nvPr/>
+      </p:nvGrpSpPr>
+      <p:grpSpPr>
+        <a:xfrm>
+          <a:off x="0" y="0"/>
+          <a:ext cx="0" cy="0"/>
+          <a:chOff x="0" y="0"/>
+          <a:chExt cx="0" cy="0"/>
+        </a:xfrm>
+      </p:grpSpPr>
+      <p:sp>
+        <p:nvSpPr>
+          <p:cNvPr id="2" name="Title 1">
+            <a:extLst>
+              <a:ext uri="{FF2B5EF4-FFF2-40B4-BE49-F238E27FC236}">
+                <a16:creationId xmlns:a16="http://schemas.microsoft.com/office/drawing/2014/main" id="{C3EB45C8-B862-B4D8-846E-7A9AD76B60B4}"/>
+              </a:ext>
+            </a:extLst>
+          </p:cNvPr>
+          <p:cNvSpPr>
+            <a:spLocks noGrp="1"/>
+          </p:cNvSpPr>
+          <p:nvPr>
+            <p:ph type="title"/>
+          </p:nvPr>
+        </p:nvSpPr>
+        <p:spPr/>
+        <p:txBody>
+          <a:bodyPr/>
+          <a:lstStyle/>
+          <a:p>
+            <a:r>
+              <a:rPr lang="en-NO" dirty="0"/>
+              <a:t>Be</a:t>
+            </a:r>
+            <a:r>
+              <a:rPr lang="en-GB" dirty="0"/>
+              <a:t>a</a:t>
+            </a:r>
+            <a:r>
+              <a:rPr lang="en-NO" dirty="0"/>
+              <a:t>utiful Soup (and Request) toturial</a:t>
+            </a:r>
+          </a:p>
+        </p:txBody>
+      </p:sp>
+      <p:sp>
+        <p:nvSpPr>
+          <p:cNvPr id="3" name="Content Placeholder 2">
+            <a:extLst>
+              <a:ext uri="{FF2B5EF4-FFF2-40B4-BE49-F238E27FC236}">
+                <a16:creationId xmlns:a16="http://schemas.microsoft.com/office/drawing/2014/main" id="{2B52A0C3-9C2A-6DAE-E14C-2B7288342ACD}"/>
+              </a:ext>
+            </a:extLst>
+          </p:cNvPr>
+          <p:cNvSpPr>
+            <a:spLocks noGrp="1"/>
+          </p:cNvSpPr>
+          <p:nvPr>
+            <p:ph idx="1"/>
+          </p:nvPr>
+        </p:nvSpPr>
+        <p:spPr/>
+        <p:txBody>
+          <a:bodyPr/>
+          <a:lstStyle/>
+          <a:p>
+            <a:r>
+              <a:rPr lang="en-NO" dirty="0"/>
+              <a:t> A good toturial can be found here: </a:t>
+            </a:r>
+            <a:r>
+              <a:rPr lang="en-GB" dirty="0">
+                <a:hlinkClick r:id="rId2"/>
+              </a:rPr>
+              <a:t>https://www.dataquest.io/blog/web-scraping-python-using-beautiful-soup/</a:t>
+            </a:r>
+            <a:endParaRPr lang="en-GB" dirty="0"/>
+          </a:p>
+          <a:p>
             <a:endParaRPr lang="en-NO" dirty="0"/>
-          </a:p>
-        </p:txBody>
-      </p:sp>
-      <p:sp>
-        <p:nvSpPr>
-          <p:cNvPr id="6" name="Content Placeholder 5">
-            <a:extLst>
-              <a:ext uri="{FF2B5EF4-FFF2-40B4-BE49-F238E27FC236}">
-                <a16:creationId xmlns:a16="http://schemas.microsoft.com/office/drawing/2014/main" id="{5184D125-52FC-444D-161C-7AFE4C147579}"/>
-              </a:ext>
-            </a:extLst>
-          </p:cNvPr>
-          <p:cNvSpPr>
-            <a:spLocks noGrp="1"/>
-          </p:cNvSpPr>
-          <p:nvPr>
-            <p:ph sz="half" idx="2"/>
-          </p:nvPr>
-        </p:nvSpPr>
-        <p:spPr/>
-        <p:txBody>
-          <a:bodyPr/>
-          <a:lstStyle/>
-          <a:p>
-            <a:endParaRPr lang="en-NO"/>
           </a:p>
         </p:txBody>
       </p:sp>
       <p:pic>
         <p:nvPicPr>
-          <p:cNvPr id="5" name="Picture 4" descr="Graphical user interface, text, website&#10;&#10;Description automatically generated">
-            <a:extLst>
-              <a:ext uri="{FF2B5EF4-FFF2-40B4-BE49-F238E27FC236}">
-                <a16:creationId xmlns:a16="http://schemas.microsoft.com/office/drawing/2014/main" id="{F2A782D6-E49F-51DE-B769-0D701C1D254F}"/>
+          <p:cNvPr id="5" name="Picture 4" descr="A picture containing clipart&#10;&#10;Description automatically generated">
+            <a:extLst>
+              <a:ext uri="{FF2B5EF4-FFF2-40B4-BE49-F238E27FC236}">
+                <a16:creationId xmlns:a16="http://schemas.microsoft.com/office/drawing/2014/main" id="{088E8592-16DB-D2FD-D421-58C6A66F7144}"/>
               </a:ext>
             </a:extLst>
           </p:cNvPr>
@@ -4128,7 +5798,199 @@
         </p:blipFill>
         <p:spPr>
           <a:xfrm>
-            <a:off x="5857103" y="499848"/>
+            <a:off x="7803978" y="3429000"/>
+            <a:ext cx="2612768" cy="2612768"/>
+          </a:xfrm>
+          <a:prstGeom prst="rect">
+            <a:avLst/>
+          </a:prstGeom>
+        </p:spPr>
+      </p:pic>
+    </p:spTree>
+    <p:extLst>
+      <p:ext uri="{BB962C8B-B14F-4D97-AF65-F5344CB8AC3E}">
+        <p14:creationId xmlns:p14="http://schemas.microsoft.com/office/powerpoint/2010/main" val="2208914225"/>
+      </p:ext>
+    </p:extLst>
+  </p:cSld>
+  <p:clrMapOvr>
+    <a:masterClrMapping/>
+  </p:clrMapOvr>
+</p:sld>
+</file>
+
+<file path=ppt/slides/slide16.xml><?xml version="1.0" encoding="utf-8"?>
+<p:sld xmlns:a="http://schemas.openxmlformats.org/drawingml/2006/main" xmlns:r="http://schemas.openxmlformats.org/officeDocument/2006/relationships" xmlns:p="http://schemas.openxmlformats.org/presentationml/2006/main">
+  <p:cSld>
+    <p:spTree>
+      <p:nvGrpSpPr>
+        <p:cNvPr id="1" name=""/>
+        <p:cNvGrpSpPr/>
+        <p:nvPr/>
+      </p:nvGrpSpPr>
+      <p:grpSpPr>
+        <a:xfrm>
+          <a:off x="0" y="0"/>
+          <a:ext cx="0" cy="0"/>
+          <a:chOff x="0" y="0"/>
+          <a:chExt cx="0" cy="0"/>
+        </a:xfrm>
+      </p:grpSpPr>
+      <p:sp>
+        <p:nvSpPr>
+          <p:cNvPr id="2" name="Title 1">
+            <a:extLst>
+              <a:ext uri="{FF2B5EF4-FFF2-40B4-BE49-F238E27FC236}">
+                <a16:creationId xmlns:a16="http://schemas.microsoft.com/office/drawing/2014/main" id="{9D0535FB-F44E-D4CE-59F6-264B43B782F0}"/>
+              </a:ext>
+            </a:extLst>
+          </p:cNvPr>
+          <p:cNvSpPr>
+            <a:spLocks noGrp="1"/>
+          </p:cNvSpPr>
+          <p:nvPr>
+            <p:ph type="title"/>
+          </p:nvPr>
+        </p:nvSpPr>
+        <p:spPr/>
+        <p:txBody>
+          <a:bodyPr/>
+          <a:lstStyle/>
+          <a:p>
+            <a:r>
+              <a:rPr lang="en-NO" dirty="0"/>
+              <a:t>Remember!</a:t>
+            </a:r>
+          </a:p>
+        </p:txBody>
+      </p:sp>
+      <p:sp>
+        <p:nvSpPr>
+          <p:cNvPr id="3" name="Content Placeholder 2">
+            <a:extLst>
+              <a:ext uri="{FF2B5EF4-FFF2-40B4-BE49-F238E27FC236}">
+                <a16:creationId xmlns:a16="http://schemas.microsoft.com/office/drawing/2014/main" id="{2F0D4795-57BC-67FF-64DD-68DC6FAD0BE3}"/>
+              </a:ext>
+            </a:extLst>
+          </p:cNvPr>
+          <p:cNvSpPr>
+            <a:spLocks noGrp="1"/>
+          </p:cNvSpPr>
+          <p:nvPr>
+            <p:ph sz="half" idx="1"/>
+          </p:nvPr>
+        </p:nvSpPr>
+        <p:spPr/>
+        <p:txBody>
+          <a:bodyPr/>
+          <a:lstStyle/>
+          <a:p>
+            <a:r>
+              <a:rPr lang="en-NO" dirty="0"/>
+              <a:t>On the </a:t>
+            </a:r>
+            <a:r>
+              <a:rPr lang="en-GB" dirty="0"/>
+              <a:t>Course homepage</a:t>
+            </a:r>
+            <a:r>
+              <a:rPr lang="en-NO" dirty="0"/>
+              <a:t>, you can find good resources!</a:t>
+            </a:r>
+          </a:p>
+          <a:p>
+            <a:pPr lvl="1"/>
+            <a:r>
+              <a:rPr lang="en-GB" dirty="0"/>
+              <a:t>T</a:t>
+            </a:r>
+            <a:r>
+              <a:rPr lang="en-NO" dirty="0"/>
+              <a:t>here may also be some hints hiding there </a:t>
+            </a:r>
+            <a:r>
+              <a:rPr lang="en-NO" dirty="0">
+                <a:sym typeface="Wingdings" pitchFamily="2" charset="2"/>
+              </a:rPr>
+              <a:t></a:t>
+            </a:r>
+          </a:p>
+          <a:p>
+            <a:pPr lvl="1"/>
+            <a:endParaRPr lang="en-NO" dirty="0"/>
+          </a:p>
+          <a:p>
+            <a:pPr marL="0" indent="0">
+              <a:buNone/>
+            </a:pPr>
+            <a:r>
+              <a:rPr lang="en-GB" dirty="0">
+                <a:hlinkClick r:id="rId3"/>
+              </a:rPr>
+              <a:t>https://uio-in3110.github.io/</a:t>
+            </a:r>
+            <a:endParaRPr lang="en-GB" dirty="0"/>
+          </a:p>
+          <a:p>
+            <a:pPr marL="0" indent="0">
+              <a:buNone/>
+            </a:pPr>
+            <a:endParaRPr lang="en-NO" dirty="0"/>
+          </a:p>
+        </p:txBody>
+      </p:sp>
+      <p:pic>
+        <p:nvPicPr>
+          <p:cNvPr id="8" name="Content Placeholder 7" descr="A picture containing clipart&#10;&#10;Description automatically generated">
+            <a:extLst>
+              <a:ext uri="{FF2B5EF4-FFF2-40B4-BE49-F238E27FC236}">
+                <a16:creationId xmlns:a16="http://schemas.microsoft.com/office/drawing/2014/main" id="{89ACA52F-B0E5-88A4-E97F-2348C55D7B50}"/>
+              </a:ext>
+            </a:extLst>
+          </p:cNvPr>
+          <p:cNvPicPr>
+            <a:picLocks noGrp="1" noChangeAspect="1"/>
+          </p:cNvPicPr>
+          <p:nvPr>
+            <p:ph sz="half" idx="2"/>
+          </p:nvPr>
+        </p:nvPicPr>
+        <p:blipFill>
+          <a:blip r:embed="rId4"/>
+          <a:stretch>
+            <a:fillRect/>
+          </a:stretch>
+        </p:blipFill>
+        <p:spPr>
+          <a:xfrm>
+            <a:off x="766119" y="4867275"/>
+            <a:ext cx="1625600" cy="1625600"/>
+          </a:xfrm>
+        </p:spPr>
+      </p:pic>
+      <p:pic>
+        <p:nvPicPr>
+          <p:cNvPr id="5" name="Picture 4" descr="Graphical user interface, text, website&#10;&#10;Description automatically generated">
+            <a:extLst>
+              <a:ext uri="{FF2B5EF4-FFF2-40B4-BE49-F238E27FC236}">
+                <a16:creationId xmlns:a16="http://schemas.microsoft.com/office/drawing/2014/main" id="{F2A782D6-E49F-51DE-B769-0D701C1D254F}"/>
+              </a:ext>
+            </a:extLst>
+          </p:cNvPr>
+          <p:cNvPicPr>
+            <a:picLocks noChangeAspect="1"/>
+          </p:cNvPicPr>
+          <p:nvPr/>
+        </p:nvPicPr>
+        <p:blipFill>
+          <a:blip r:embed="rId5"/>
+          <a:stretch>
+            <a:fillRect/>
+          </a:stretch>
+        </p:blipFill>
+        <p:spPr>
+          <a:xfrm>
+            <a:off x="5857103" y="318873"/>
             <a:ext cx="6334897" cy="5993027"/>
           </a:xfrm>
           <a:prstGeom prst="rect">
@@ -4300,6 +6162,36 @@
           </a:p>
         </p:txBody>
       </p:sp>
+      <p:pic>
+        <p:nvPicPr>
+          <p:cNvPr id="6" name="Picture 5" descr="A picture containing clipart&#10;&#10;Description automatically generated">
+            <a:extLst>
+              <a:ext uri="{FF2B5EF4-FFF2-40B4-BE49-F238E27FC236}">
+                <a16:creationId xmlns:a16="http://schemas.microsoft.com/office/drawing/2014/main" id="{54577636-10D5-5BCE-B9CE-AC5D0F3476A2}"/>
+              </a:ext>
+            </a:extLst>
+          </p:cNvPr>
+          <p:cNvPicPr>
+            <a:picLocks noChangeAspect="1"/>
+          </p:cNvPicPr>
+          <p:nvPr/>
+        </p:nvPicPr>
+        <p:blipFill>
+          <a:blip r:embed="rId2"/>
+          <a:stretch>
+            <a:fillRect/>
+          </a:stretch>
+        </p:blipFill>
+        <p:spPr>
+          <a:xfrm>
+            <a:off x="8662087" y="3204376"/>
+            <a:ext cx="3288499" cy="3288499"/>
+          </a:xfrm>
+          <a:prstGeom prst="rect">
+            <a:avLst/>
+          </a:prstGeom>
+        </p:spPr>
+      </p:pic>
     </p:spTree>
     <p:extLst>
       <p:ext uri="{BB962C8B-B14F-4D97-AF65-F5344CB8AC3E}">
@@ -4589,6 +6481,36 @@
           </a:p>
         </p:txBody>
       </p:sp>
+      <p:pic>
+        <p:nvPicPr>
+          <p:cNvPr id="9" name="Picture 8" descr="A picture containing clipart&#10;&#10;Description automatically generated">
+            <a:extLst>
+              <a:ext uri="{FF2B5EF4-FFF2-40B4-BE49-F238E27FC236}">
+                <a16:creationId xmlns:a16="http://schemas.microsoft.com/office/drawing/2014/main" id="{A3D626D6-B82F-B7C1-3361-E62D5835FB62}"/>
+              </a:ext>
+            </a:extLst>
+          </p:cNvPr>
+          <p:cNvPicPr>
+            <a:picLocks noChangeAspect="1"/>
+          </p:cNvPicPr>
+          <p:nvPr/>
+        </p:nvPicPr>
+        <p:blipFill>
+          <a:blip r:embed="rId2"/>
+          <a:stretch>
+            <a:fillRect/>
+          </a:stretch>
+        </p:blipFill>
+        <p:spPr>
+          <a:xfrm>
+            <a:off x="9887111" y="1008447"/>
+            <a:ext cx="1625600" cy="1625600"/>
+          </a:xfrm>
+          <a:prstGeom prst="rect">
+            <a:avLst/>
+          </a:prstGeom>
+        </p:spPr>
+      </p:pic>
     </p:spTree>
     <p:extLst>
       <p:ext uri="{BB962C8B-B14F-4D97-AF65-F5344CB8AC3E}">
@@ -5505,7 +7427,7 @@
           <a:p>
             <a:r>
               <a:rPr lang="en-NO" dirty="0"/>
-              <a:t>And the final result is this:</a:t>
+              <a:t>And the final result is this: tag.html</a:t>
             </a:r>
           </a:p>
         </p:txBody>
@@ -5638,7 +7560,7 @@
             </a:r>
           </a:p>
           <a:p>
-            <a:endParaRPr lang="en-NO" dirty="0"/>
+            <a:endParaRPr lang="en-GB" dirty="0"/>
           </a:p>
           <a:p>
             <a:r>
@@ -5653,6 +7575,9 @@
               <a:rPr lang="en-NO" dirty="0"/>
               <a:t>ust wait to the next assignment! :D </a:t>
             </a:r>
+          </a:p>
+          <a:p>
+            <a:endParaRPr lang="en-GB" dirty="0"/>
           </a:p>
         </p:txBody>
       </p:sp>
@@ -5760,7 +7685,7 @@
     </p:spTree>
     <p:extLst>
       <p:ext uri="{BB962C8B-B14F-4D97-AF65-F5344CB8AC3E}">
-        <p14:creationId xmlns:p14="http://schemas.microsoft.com/office/powerpoint/2010/main" val="4211963054"/>
+        <p14:creationId xmlns:p14="http://schemas.microsoft.com/office/powerpoint/2010/main" val="1371002669"/>
       </p:ext>
     </p:extLst>
   </p:cSld>
@@ -5792,7 +7717,7 @@
           <p:cNvPr id="2" name="Title 1">
             <a:extLst>
               <a:ext uri="{FF2B5EF4-FFF2-40B4-BE49-F238E27FC236}">
-                <a16:creationId xmlns:a16="http://schemas.microsoft.com/office/drawing/2014/main" id="{C3EB45C8-B862-B4D8-846E-7A9AD76B60B4}"/>
+                <a16:creationId xmlns:a16="http://schemas.microsoft.com/office/drawing/2014/main" id="{2FC92478-6BC2-D413-36F8-6D0B8768C8CE}"/>
               </a:ext>
             </a:extLst>
           </p:cNvPr>
@@ -5810,48 +7735,153 @@
           <a:p>
             <a:r>
               <a:rPr lang="en-NO" dirty="0"/>
-              <a:t>Back to Be</a:t>
-            </a:r>
+              <a:t>Why does it not look like a “normal” website?</a:t>
+            </a:r>
+          </a:p>
+        </p:txBody>
+      </p:sp>
+      <p:sp>
+        <p:nvSpPr>
+          <p:cNvPr id="7" name="Content Placeholder 6">
+            <a:extLst>
+              <a:ext uri="{FF2B5EF4-FFF2-40B4-BE49-F238E27FC236}">
+                <a16:creationId xmlns:a16="http://schemas.microsoft.com/office/drawing/2014/main" id="{118DEB36-3032-199B-229B-06A02E0EC829}"/>
+              </a:ext>
+            </a:extLst>
+          </p:cNvPr>
+          <p:cNvSpPr>
+            <a:spLocks noGrp="1"/>
+          </p:cNvSpPr>
+          <p:nvPr>
+            <p:ph sz="half" idx="1"/>
+          </p:nvPr>
+        </p:nvSpPr>
+        <p:spPr/>
+        <p:txBody>
+          <a:bodyPr>
+            <a:normAutofit/>
+          </a:bodyPr>
+          <a:lstStyle/>
+          <a:p>
             <a:r>
               <a:rPr lang="en-GB" dirty="0"/>
-              <a:t>a</a:t>
-            </a:r>
-            <a:r>
-              <a:rPr lang="en-NO" dirty="0"/>
-              <a:t>utiful Soup</a:t>
-            </a:r>
-          </a:p>
-        </p:txBody>
-      </p:sp>
-      <p:sp>
-        <p:nvSpPr>
-          <p:cNvPr id="3" name="Content Placeholder 2">
-            <a:extLst>
-              <a:ext uri="{FF2B5EF4-FFF2-40B4-BE49-F238E27FC236}">
-                <a16:creationId xmlns:a16="http://schemas.microsoft.com/office/drawing/2014/main" id="{2B52A0C3-9C2A-6DAE-E14C-2B7288342ACD}"/>
-              </a:ext>
-            </a:extLst>
-          </p:cNvPr>
-          <p:cNvSpPr>
-            <a:spLocks noGrp="1"/>
-          </p:cNvSpPr>
-          <p:nvPr>
-            <p:ph idx="1"/>
-          </p:nvPr>
-        </p:nvSpPr>
-        <p:spPr/>
-        <p:txBody>
-          <a:bodyPr/>
-          <a:lstStyle/>
-          <a:p>
-            <a:endParaRPr lang="en-NO"/>
+              <a:t>The class an id attribute is often used to point to a class name in a style sheet. </a:t>
+            </a:r>
+          </a:p>
+          <a:p>
+            <a:r>
+              <a:rPr lang="en-GB" dirty="0"/>
+              <a:t>It can also be used by a JavaScript to access and manipulate elements with the specific class name.</a:t>
+            </a:r>
+            <a:endParaRPr lang="en-NO" dirty="0"/>
+          </a:p>
+        </p:txBody>
+      </p:sp>
+      <p:pic>
+        <p:nvPicPr>
+          <p:cNvPr id="10" name="Content Placeholder 9" descr="A picture containing diagram&#10;&#10;Description automatically generated">
+            <a:extLst>
+              <a:ext uri="{FF2B5EF4-FFF2-40B4-BE49-F238E27FC236}">
+                <a16:creationId xmlns:a16="http://schemas.microsoft.com/office/drawing/2014/main" id="{79432930-0157-5D15-869E-7249584FE34C}"/>
+              </a:ext>
+            </a:extLst>
+          </p:cNvPr>
+          <p:cNvPicPr>
+            <a:picLocks noGrp="1" noChangeAspect="1"/>
+          </p:cNvPicPr>
+          <p:nvPr>
+            <p:ph sz="half" idx="2"/>
+          </p:nvPr>
+        </p:nvPicPr>
+        <p:blipFill>
+          <a:blip r:embed="rId2"/>
+          <a:stretch>
+            <a:fillRect/>
+          </a:stretch>
+        </p:blipFill>
+        <p:spPr>
+          <a:xfrm>
+            <a:off x="6972300" y="2210594"/>
+            <a:ext cx="3581400" cy="3581400"/>
+          </a:xfrm>
+        </p:spPr>
+      </p:pic>
+      <p:sp>
+        <p:nvSpPr>
+          <p:cNvPr id="11" name="TextBox 10">
+            <a:extLst>
+              <a:ext uri="{FF2B5EF4-FFF2-40B4-BE49-F238E27FC236}">
+                <a16:creationId xmlns:a16="http://schemas.microsoft.com/office/drawing/2014/main" id="{1EC7DA9A-CB65-AD7C-C5F6-6E0397426ABD}"/>
+              </a:ext>
+            </a:extLst>
+          </p:cNvPr>
+          <p:cNvSpPr txBox="1"/>
+          <p:nvPr/>
+        </p:nvSpPr>
+        <p:spPr>
+          <a:xfrm>
+            <a:off x="7722507" y="6611779"/>
+            <a:ext cx="4469493" cy="246221"/>
+          </a:xfrm>
+          <a:prstGeom prst="rect">
+            <a:avLst/>
+          </a:prstGeom>
+          <a:noFill/>
+        </p:spPr>
+        <p:txBody>
+          <a:bodyPr wrap="none" rtlCol="0">
+            <a:spAutoFit/>
+          </a:bodyPr>
+          <a:lstStyle/>
+          <a:p>
+            <a:r>
+              <a:rPr lang="en-GB" sz="1000" dirty="0">
+                <a:solidFill>
+                  <a:schemeClr val="tx1">
+                    <a:lumMod val="50000"/>
+                    <a:lumOff val="50000"/>
+                  </a:schemeClr>
+                </a:solidFill>
+              </a:rPr>
+              <a:t>https://</a:t>
+            </a:r>
+            <a:r>
+              <a:rPr lang="en-GB" sz="1000" dirty="0" err="1">
+                <a:solidFill>
+                  <a:schemeClr val="tx1">
+                    <a:lumMod val="50000"/>
+                    <a:lumOff val="50000"/>
+                  </a:schemeClr>
+                </a:solidFill>
+              </a:rPr>
+              <a:t>www.quora.com</a:t>
+            </a:r>
+            <a:r>
+              <a:rPr lang="en-GB" sz="1000" dirty="0">
+                <a:solidFill>
+                  <a:schemeClr val="tx1">
+                    <a:lumMod val="50000"/>
+                    <a:lumOff val="50000"/>
+                  </a:schemeClr>
+                </a:solidFill>
+              </a:rPr>
+              <a:t>/How-relevant-is-HTML-CSS-and-JavaScript-in-web-design</a:t>
+            </a:r>
+            <a:endParaRPr lang="en-NO" sz="1000" dirty="0">
+              <a:solidFill>
+                <a:schemeClr val="tx1">
+                  <a:lumMod val="50000"/>
+                  <a:lumOff val="50000"/>
+                </a:schemeClr>
+              </a:solidFill>
+            </a:endParaRPr>
           </a:p>
         </p:txBody>
       </p:sp>
     </p:spTree>
     <p:extLst>
       <p:ext uri="{BB962C8B-B14F-4D97-AF65-F5344CB8AC3E}">
-        <p14:creationId xmlns:p14="http://schemas.microsoft.com/office/powerpoint/2010/main" val="2208914225"/>
+        <p14:creationId xmlns:p14="http://schemas.microsoft.com/office/powerpoint/2010/main" val="4211963054"/>
       </p:ext>
     </p:extLst>
   </p:cSld>
